--- a/documents/brief explanatations.pptx
+++ b/documents/brief explanatations.pptx
@@ -105,6 +105,11 @@
       </a:defRPr>
     </a:lvl9pPr>
   </p:defaultTextStyle>
+  <p:extLst>
+    <p:ext uri="{EFAFB233-063F-42B5-8137-9DF3F51BA10A}">
+      <p15:sldGuideLst xmlns:p15="http://schemas.microsoft.com/office/powerpoint/2012/main"/>
+    </p:ext>
+  </p:extLst>
 </p:presentation>
 </file>
 
@@ -5928,7 +5933,7 @@
         <p:spPr>
           <a:xfrm>
             <a:off x="727788" y="373224"/>
-            <a:ext cx="9545216" cy="2893100"/>
+            <a:ext cx="9545216" cy="4001095"/>
           </a:xfrm>
           <a:prstGeom prst="rect">
             <a:avLst/>
@@ -5983,7 +5988,37 @@
             </a:pPr>
             <a:r>
               <a:rPr lang="en-AU" dirty="0" smtClean="0"/>
-              <a:t>It was envisioned that there were 4 astronauts aboard this vessel so I tried to be sparse with equipment as only 4 people occupy the area, such as only 4 mugs.</a:t>
+              <a:t>It was envisioned that there were 4 astronauts aboard this vessel so I tried to be sparse with equipment as only 4 people occupy the area, such as only 4 mugs</a:t>
+            </a:r>
+            <a:r>
+              <a:rPr lang="en-AU" dirty="0" smtClean="0"/>
+              <a:t>.</a:t>
+            </a:r>
+          </a:p>
+          <a:p>
+            <a:pPr marL="285750" indent="-285750">
+              <a:buFont typeface="Arial" panose="020B0604020202020204" pitchFamily="34" charset="0"/>
+              <a:buChar char="•"/>
+            </a:pPr>
+            <a:r>
+              <a:rPr lang="en-AU" dirty="0" smtClean="0"/>
+              <a:t>As a mission, the player is to notice the abandoned computers in the 1</a:t>
+            </a:r>
+            <a:r>
+              <a:rPr lang="en-AU" baseline="30000" dirty="0" smtClean="0"/>
+              <a:t>st</a:t>
+            </a:r>
+            <a:r>
+              <a:rPr lang="en-AU" dirty="0" smtClean="0"/>
+              <a:t> corridor, as they are the communication to the earth… as you travel to the 3</a:t>
+            </a:r>
+            <a:r>
+              <a:rPr lang="en-AU" baseline="30000" dirty="0" smtClean="0"/>
+              <a:t>rd</a:t>
+            </a:r>
+            <a:r>
+              <a:rPr lang="en-AU" dirty="0" smtClean="0"/>
+              <a:t> corridor you notice the poster board and the alone computer out of place and you go and use it to turn on the other computers to communicate with earth.</a:t>
             </a:r>
             <a:endParaRPr lang="en-AU" dirty="0"/>
           </a:p>

--- a/documents/brief explanatations.pptx
+++ b/documents/brief explanatations.pptx
@@ -296,7 +296,7 @@
           <a:p>
             <a:fld id="{4AAD347D-5ACD-4C99-B74B-A9C85AD731AF}" type="datetimeFigureOut">
               <a:rPr lang="en-US" dirty="0"/>
-              <a:t>10/11/2018</a:t>
+              <a:t>10/15/2018</a:t>
             </a:fld>
             <a:endParaRPr lang="en-US" dirty="0"/>
           </a:p>
@@ -566,7 +566,7 @@
           <a:p>
             <a:fld id="{4509A250-FF31-4206-8172-F9D3106AACB1}" type="datetimeFigureOut">
               <a:rPr lang="en-US" dirty="0"/>
-              <a:t>10/11/2018</a:t>
+              <a:t>10/15/2018</a:t>
             </a:fld>
             <a:endParaRPr lang="en-US" dirty="0"/>
           </a:p>
@@ -755,7 +755,7 @@
           <a:p>
             <a:fld id="{4509A250-FF31-4206-8172-F9D3106AACB1}" type="datetimeFigureOut">
               <a:rPr lang="en-US" dirty="0"/>
-              <a:t>10/11/2018</a:t>
+              <a:t>10/15/2018</a:t>
             </a:fld>
             <a:endParaRPr lang="en-US" dirty="0"/>
           </a:p>
@@ -1018,7 +1018,7 @@
           <a:p>
             <a:fld id="{4509A250-FF31-4206-8172-F9D3106AACB1}" type="datetimeFigureOut">
               <a:rPr lang="en-US" dirty="0"/>
-              <a:t>10/11/2018</a:t>
+              <a:t>10/15/2018</a:t>
             </a:fld>
             <a:endParaRPr lang="en-US" dirty="0"/>
           </a:p>
@@ -1345,7 +1345,7 @@
           <a:p>
             <a:fld id="{4509A250-FF31-4206-8172-F9D3106AACB1}" type="datetimeFigureOut">
               <a:rPr lang="en-US" dirty="0"/>
-              <a:t>10/11/2018</a:t>
+              <a:t>10/15/2018</a:t>
             </a:fld>
             <a:endParaRPr lang="en-US" dirty="0"/>
           </a:p>
@@ -1950,7 +1950,7 @@
           <a:p>
             <a:fld id="{4509A250-FF31-4206-8172-F9D3106AACB1}" type="datetimeFigureOut">
               <a:rPr lang="en-US" dirty="0"/>
-              <a:t>10/11/2018</a:t>
+              <a:t>10/15/2018</a:t>
             </a:fld>
             <a:endParaRPr lang="en-US" dirty="0"/>
           </a:p>
@@ -2792,7 +2792,7 @@
           <a:p>
             <a:fld id="{4509A250-FF31-4206-8172-F9D3106AACB1}" type="datetimeFigureOut">
               <a:rPr lang="en-US" dirty="0"/>
-              <a:t>10/11/2018</a:t>
+              <a:t>10/15/2018</a:t>
             </a:fld>
             <a:endParaRPr lang="en-US" dirty="0"/>
           </a:p>
@@ -2957,7 +2957,7 @@
           <a:p>
             <a:fld id="{4509A250-FF31-4206-8172-F9D3106AACB1}" type="datetimeFigureOut">
               <a:rPr lang="en-US" dirty="0"/>
-              <a:t>10/11/2018</a:t>
+              <a:t>10/15/2018</a:t>
             </a:fld>
             <a:endParaRPr lang="en-US" dirty="0"/>
           </a:p>
@@ -3132,7 +3132,7 @@
           <a:p>
             <a:fld id="{4509A250-FF31-4206-8172-F9D3106AACB1}" type="datetimeFigureOut">
               <a:rPr lang="en-US" dirty="0"/>
-              <a:t>10/11/2018</a:t>
+              <a:t>10/15/2018</a:t>
             </a:fld>
             <a:endParaRPr lang="en-US" dirty="0"/>
           </a:p>
@@ -3297,7 +3297,7 @@
           <a:p>
             <a:fld id="{4509A250-FF31-4206-8172-F9D3106AACB1}" type="datetimeFigureOut">
               <a:rPr lang="en-US" dirty="0"/>
-              <a:t>10/11/2018</a:t>
+              <a:t>10/15/2018</a:t>
             </a:fld>
             <a:endParaRPr lang="en-US" dirty="0"/>
           </a:p>
@@ -3536,7 +3536,7 @@
           <a:p>
             <a:fld id="{4509A250-FF31-4206-8172-F9D3106AACB1}" type="datetimeFigureOut">
               <a:rPr lang="en-US" dirty="0"/>
-              <a:t>10/11/2018</a:t>
+              <a:t>10/15/2018</a:t>
             </a:fld>
             <a:endParaRPr lang="en-US" dirty="0"/>
           </a:p>
@@ -3823,7 +3823,7 @@
           <a:p>
             <a:fld id="{4509A250-FF31-4206-8172-F9D3106AACB1}" type="datetimeFigureOut">
               <a:rPr lang="en-US" dirty="0"/>
-              <a:t>10/11/2018</a:t>
+              <a:t>10/15/2018</a:t>
             </a:fld>
             <a:endParaRPr lang="en-US" dirty="0"/>
           </a:p>
@@ -4256,7 +4256,7 @@
           <a:p>
             <a:fld id="{4509A250-FF31-4206-8172-F9D3106AACB1}" type="datetimeFigureOut">
               <a:rPr lang="en-US" dirty="0"/>
-              <a:t>10/11/2018</a:t>
+              <a:t>10/15/2018</a:t>
             </a:fld>
             <a:endParaRPr lang="en-US" dirty="0"/>
           </a:p>
@@ -4369,7 +4369,7 @@
           <a:p>
             <a:fld id="{4509A250-FF31-4206-8172-F9D3106AACB1}" type="datetimeFigureOut">
               <a:rPr lang="en-US" dirty="0"/>
-              <a:t>10/11/2018</a:t>
+              <a:t>10/15/2018</a:t>
             </a:fld>
             <a:endParaRPr lang="en-US" dirty="0"/>
           </a:p>
@@ -4459,7 +4459,7 @@
           <a:p>
             <a:fld id="{4509A250-FF31-4206-8172-F9D3106AACB1}" type="datetimeFigureOut">
               <a:rPr lang="en-US" dirty="0"/>
-              <a:t>10/11/2018</a:t>
+              <a:t>10/15/2018</a:t>
             </a:fld>
             <a:endParaRPr lang="en-US" dirty="0"/>
           </a:p>
@@ -4733,7 +4733,7 @@
           <a:p>
             <a:fld id="{4509A250-FF31-4206-8172-F9D3106AACB1}" type="datetimeFigureOut">
               <a:rPr lang="en-US" dirty="0"/>
-              <a:t>10/11/2018</a:t>
+              <a:t>10/15/2018</a:t>
             </a:fld>
             <a:endParaRPr lang="en-US" dirty="0"/>
           </a:p>
@@ -5003,7 +5003,7 @@
           <a:p>
             <a:fld id="{4509A250-FF31-4206-8172-F9D3106AACB1}" type="datetimeFigureOut">
               <a:rPr lang="en-US" dirty="0"/>
-              <a:t>10/11/2018</a:t>
+              <a:t>10/15/2018</a:t>
             </a:fld>
             <a:endParaRPr lang="en-US" dirty="0"/>
           </a:p>
@@ -5427,7 +5427,7 @@
           <a:p>
             <a:fld id="{4509A250-FF31-4206-8172-F9D3106AACB1}" type="datetimeFigureOut">
               <a:rPr lang="en-US" dirty="0"/>
-              <a:t>10/11/2018</a:t>
+              <a:t>10/15/2018</a:t>
             </a:fld>
             <a:endParaRPr lang="en-US" dirty="0"/>
           </a:p>
@@ -5988,11 +5988,7 @@
             </a:pPr>
             <a:r>
               <a:rPr lang="en-AU" dirty="0" smtClean="0"/>
-              <a:t>It was envisioned that there were 4 astronauts aboard this vessel so I tried to be sparse with equipment as only 4 people occupy the area, such as only 4 mugs</a:t>
-            </a:r>
-            <a:r>
-              <a:rPr lang="en-AU" dirty="0" smtClean="0"/>
-              <a:t>.</a:t>
+              <a:t>It was envisioned that there were 4 astronauts aboard this vessel so I tried to be sparse with equipment as only 4 people occupy the area, such as only 4 mugs.</a:t>
             </a:r>
           </a:p>
           <a:p>
@@ -6063,7 +6059,7 @@
         <p:spPr>
           <a:xfrm>
             <a:off x="783771" y="503853"/>
-            <a:ext cx="9367935" cy="3416320"/>
+            <a:ext cx="9367935" cy="3970318"/>
           </a:xfrm>
           <a:prstGeom prst="rect">
             <a:avLst/>
@@ -6119,6 +6115,21 @@
             <a:r>
               <a:rPr lang="en-AU" dirty="0" smtClean="0"/>
               <a:t>The last bit is the ornamentation like rocks and sacks of sand other things by a little research of the area and gaming knowledge of “WHY” things are there, with the purpose to only add things that aid the player in the mission in the scope of the aesthetic. </a:t>
+            </a:r>
+            <a:endParaRPr lang="en-AU" dirty="0" smtClean="0"/>
+          </a:p>
+          <a:p>
+            <a:pPr marL="285750" indent="-285750">
+              <a:buFont typeface="Arial" panose="020B0604020202020204" pitchFamily="34" charset="0"/>
+              <a:buChar char="•"/>
+            </a:pPr>
+            <a:r>
+              <a:rPr lang="en-AU" dirty="0" smtClean="0"/>
+              <a:t>With help from classmates, I have worked on lighting effects for a night scene and cliff integration to </a:t>
+            </a:r>
+            <a:r>
+              <a:rPr lang="en-AU" smtClean="0"/>
+              <a:t>build emersion.</a:t>
             </a:r>
             <a:endParaRPr lang="en-AU" dirty="0"/>
           </a:p>
